--- a/_book/plot/sinepharm-survey-type-barplot-1.pptx
+++ b/_book/plot/sinepharm-survey-type-barplot-1.pptx
@@ -3192,8 +3192,8 @@
           </p:nvSpPr>
           <p:spPr>
             <a:xfrm>
-              <a:off x="2280804" y="2186361"/>
-              <a:ext cx="3259831" cy="631795"/>
+              <a:off x="2279061" y="2186361"/>
+              <a:ext cx="3261574" cy="635492"/>
             </a:xfrm>
             <a:prstGeom prst="rect">
               <a:avLst/>
@@ -3218,15 +3218,15 @@
           </p:nvSpPr>
           <p:spPr>
             <a:xfrm>
-              <a:off x="2705793" y="2186361"/>
-              <a:ext cx="0" cy="631795"/>
+              <a:off x="2704276" y="2186361"/>
+              <a:ext cx="0" cy="635492"/>
             </a:xfrm>
             <a:custGeom>
               <a:avLst/>
               <a:pathLst>
-                <a:path w="0" h="631795">
+                <a:path w="0" h="635492">
                   <a:moveTo>
-                    <a:pt x="0" y="631795"/>
+                    <a:pt x="0" y="635492"/>
                   </a:moveTo>
                   <a:lnTo>
                     <a:pt x="0" y="0"/>
@@ -3261,15 +3261,15 @@
           </p:nvSpPr>
           <p:spPr>
             <a:xfrm>
-              <a:off x="3555769" y="2186361"/>
-              <a:ext cx="0" cy="631795"/>
+              <a:off x="3554708" y="2186361"/>
+              <a:ext cx="0" cy="635492"/>
             </a:xfrm>
             <a:custGeom>
               <a:avLst/>
               <a:pathLst>
-                <a:path w="0" h="631795">
+                <a:path w="0" h="635492">
                   <a:moveTo>
-                    <a:pt x="0" y="631795"/>
+                    <a:pt x="0" y="635492"/>
                   </a:moveTo>
                   <a:lnTo>
                     <a:pt x="0" y="0"/>
@@ -3304,15 +3304,15 @@
           </p:nvSpPr>
           <p:spPr>
             <a:xfrm>
-              <a:off x="4405746" y="2186361"/>
-              <a:ext cx="0" cy="631795"/>
+              <a:off x="4405139" y="2186361"/>
+              <a:ext cx="0" cy="635492"/>
             </a:xfrm>
             <a:custGeom>
               <a:avLst/>
               <a:pathLst>
-                <a:path w="0" h="631795">
+                <a:path w="0" h="635492">
                   <a:moveTo>
-                    <a:pt x="0" y="631795"/>
+                    <a:pt x="0" y="635492"/>
                   </a:moveTo>
                   <a:lnTo>
                     <a:pt x="0" y="0"/>
@@ -3347,15 +3347,15 @@
           </p:nvSpPr>
           <p:spPr>
             <a:xfrm>
-              <a:off x="5255723" y="2186361"/>
-              <a:ext cx="0" cy="631795"/>
+              <a:off x="5255571" y="2186361"/>
+              <a:ext cx="0" cy="635492"/>
             </a:xfrm>
             <a:custGeom>
               <a:avLst/>
               <a:pathLst>
-                <a:path w="0" h="631795">
+                <a:path w="0" h="635492">
                   <a:moveTo>
-                    <a:pt x="0" y="631795"/>
+                    <a:pt x="0" y="635492"/>
                   </a:moveTo>
                   <a:lnTo>
                     <a:pt x="0" y="0"/>
@@ -3390,21 +3390,21 @@
           </p:nvSpPr>
           <p:spPr>
             <a:xfrm>
-              <a:off x="2280804" y="2699695"/>
-              <a:ext cx="3259831" cy="0"/>
+              <a:off x="2279061" y="2702699"/>
+              <a:ext cx="3261574" cy="0"/>
             </a:xfrm>
             <a:custGeom>
               <a:avLst/>
               <a:pathLst>
-                <a:path w="3259831" h="0">
+                <a:path w="3261574" h="0">
                   <a:moveTo>
                     <a:pt x="0" y="0"/>
                   </a:moveTo>
                   <a:lnTo>
-                    <a:pt x="3259831" y="0"/>
-                  </a:lnTo>
-                  <a:lnTo>
-                    <a:pt x="3259831" y="0"/>
+                    <a:pt x="3261574" y="0"/>
+                  </a:lnTo>
+                  <a:lnTo>
+                    <a:pt x="3261574" y="0"/>
                   </a:lnTo>
                 </a:path>
               </a:pathLst>
@@ -3433,21 +3433,21 @@
           </p:nvSpPr>
           <p:spPr>
             <a:xfrm>
-              <a:off x="2280804" y="2502259"/>
-              <a:ext cx="3259831" cy="0"/>
+              <a:off x="2279061" y="2504107"/>
+              <a:ext cx="3261574" cy="0"/>
             </a:xfrm>
             <a:custGeom>
               <a:avLst/>
               <a:pathLst>
-                <a:path w="3259831" h="0">
+                <a:path w="3261574" h="0">
                   <a:moveTo>
                     <a:pt x="0" y="0"/>
                   </a:moveTo>
                   <a:lnTo>
-                    <a:pt x="3259831" y="0"/>
-                  </a:lnTo>
-                  <a:lnTo>
-                    <a:pt x="3259831" y="0"/>
+                    <a:pt x="3261574" y="0"/>
+                  </a:lnTo>
+                  <a:lnTo>
+                    <a:pt x="3261574" y="0"/>
                   </a:lnTo>
                 </a:path>
               </a:pathLst>
@@ -3476,21 +3476,21 @@
           </p:nvSpPr>
           <p:spPr>
             <a:xfrm>
-              <a:off x="2280804" y="2304823"/>
-              <a:ext cx="3259831" cy="0"/>
+              <a:off x="2279061" y="2305516"/>
+              <a:ext cx="3261574" cy="0"/>
             </a:xfrm>
             <a:custGeom>
               <a:avLst/>
               <a:pathLst>
-                <a:path w="3259831" h="0">
+                <a:path w="3261574" h="0">
                   <a:moveTo>
                     <a:pt x="0" y="0"/>
                   </a:moveTo>
                   <a:lnTo>
-                    <a:pt x="3259831" y="0"/>
-                  </a:lnTo>
-                  <a:lnTo>
-                    <a:pt x="3259831" y="0"/>
+                    <a:pt x="3261574" y="0"/>
+                  </a:lnTo>
+                  <a:lnTo>
+                    <a:pt x="3261574" y="0"/>
                   </a:lnTo>
                 </a:path>
               </a:pathLst>
@@ -3519,15 +3519,15 @@
           </p:nvSpPr>
           <p:spPr>
             <a:xfrm>
-              <a:off x="2280804" y="2186361"/>
-              <a:ext cx="0" cy="631795"/>
+              <a:off x="2279061" y="2186361"/>
+              <a:ext cx="0" cy="635492"/>
             </a:xfrm>
             <a:custGeom>
               <a:avLst/>
               <a:pathLst>
-                <a:path w="0" h="631795">
+                <a:path w="0" h="635492">
                   <a:moveTo>
-                    <a:pt x="0" y="631795"/>
+                    <a:pt x="0" y="635492"/>
                   </a:moveTo>
                   <a:lnTo>
                     <a:pt x="0" y="0"/>
@@ -3562,15 +3562,15 @@
           </p:nvSpPr>
           <p:spPr>
             <a:xfrm>
-              <a:off x="3130781" y="2186361"/>
-              <a:ext cx="0" cy="631795"/>
+              <a:off x="3129492" y="2186361"/>
+              <a:ext cx="0" cy="635492"/>
             </a:xfrm>
             <a:custGeom>
               <a:avLst/>
               <a:pathLst>
-                <a:path w="0" h="631795">
+                <a:path w="0" h="635492">
                   <a:moveTo>
-                    <a:pt x="0" y="631795"/>
+                    <a:pt x="0" y="635492"/>
                   </a:moveTo>
                   <a:lnTo>
                     <a:pt x="0" y="0"/>
@@ -3605,15 +3605,15 @@
           </p:nvSpPr>
           <p:spPr>
             <a:xfrm>
-              <a:off x="3980758" y="2186361"/>
-              <a:ext cx="0" cy="631795"/>
+              <a:off x="3979924" y="2186361"/>
+              <a:ext cx="0" cy="635492"/>
             </a:xfrm>
             <a:custGeom>
               <a:avLst/>
               <a:pathLst>
-                <a:path w="0" h="631795">
+                <a:path w="0" h="635492">
                   <a:moveTo>
-                    <a:pt x="0" y="631795"/>
+                    <a:pt x="0" y="635492"/>
                   </a:moveTo>
                   <a:lnTo>
                     <a:pt x="0" y="0"/>
@@ -3648,15 +3648,15 @@
           </p:nvSpPr>
           <p:spPr>
             <a:xfrm>
-              <a:off x="4830735" y="2186361"/>
-              <a:ext cx="0" cy="631795"/>
+              <a:off x="4830355" y="2186361"/>
+              <a:ext cx="0" cy="635492"/>
             </a:xfrm>
             <a:custGeom>
               <a:avLst/>
               <a:pathLst>
-                <a:path w="0" h="631795">
+                <a:path w="0" h="635492">
                   <a:moveTo>
-                    <a:pt x="0" y="631795"/>
+                    <a:pt x="0" y="635492"/>
                   </a:moveTo>
                   <a:lnTo>
                     <a:pt x="0" y="0"/>
@@ -3691,8 +3691,8 @@
           </p:nvSpPr>
           <p:spPr>
             <a:xfrm>
-              <a:off x="2280804" y="2215976"/>
-              <a:ext cx="3195913" cy="177692"/>
+              <a:off x="2279061" y="2216150"/>
+              <a:ext cx="3197622" cy="178732"/>
             </a:xfrm>
             <a:prstGeom prst="rect">
               <a:avLst/>
@@ -3717,8 +3717,8 @@
           </p:nvSpPr>
           <p:spPr>
             <a:xfrm>
-              <a:off x="2280804" y="2413413"/>
-              <a:ext cx="229493" cy="177692"/>
+              <a:off x="2279061" y="2414741"/>
+              <a:ext cx="229616" cy="178732"/>
             </a:xfrm>
             <a:prstGeom prst="rect">
               <a:avLst/>
@@ -3743,8 +3743,8 @@
           </p:nvSpPr>
           <p:spPr>
             <a:xfrm>
-              <a:off x="2280804" y="2610849"/>
-              <a:ext cx="86697" cy="177692"/>
+              <a:off x="2279061" y="2613333"/>
+              <a:ext cx="86744" cy="178732"/>
             </a:xfrm>
             <a:prstGeom prst="rect">
               <a:avLst/>
@@ -3769,7 +3769,7 @@
           </p:nvSpPr>
           <p:spPr>
             <a:xfrm>
-              <a:off x="5193187" y="2242929"/>
+              <a:off x="5193111" y="2243622"/>
               <a:ext cx="89772" cy="90196"/>
             </a:xfrm>
             <a:custGeom>
@@ -3824,7 +3824,7 @@
           </p:nvSpPr>
           <p:spPr>
             <a:xfrm>
-              <a:off x="5210125" y="2252669"/>
+              <a:off x="5210049" y="2253362"/>
               <a:ext cx="68176" cy="70717"/>
             </a:xfrm>
             <a:custGeom>
@@ -4170,7 +4170,7 @@
           </p:nvSpPr>
           <p:spPr>
             <a:xfrm>
-              <a:off x="5299051" y="2243353"/>
+              <a:off x="5298975" y="2244046"/>
               <a:ext cx="31759" cy="93584"/>
             </a:xfrm>
             <a:custGeom>
@@ -4468,7 +4468,7 @@
           </p:nvSpPr>
           <p:spPr>
             <a:xfrm>
-              <a:off x="5335468" y="2239542"/>
+              <a:off x="5335392" y="2240235"/>
               <a:ext cx="55049" cy="31335"/>
             </a:xfrm>
             <a:custGeom>
@@ -4589,7 +4589,7 @@
           </p:nvSpPr>
           <p:spPr>
             <a:xfrm>
-              <a:off x="5343090" y="2270454"/>
+              <a:off x="5343015" y="2271147"/>
               <a:ext cx="38111" cy="8045"/>
             </a:xfrm>
             <a:custGeom>
@@ -4632,7 +4632,7 @@
           </p:nvSpPr>
           <p:spPr>
             <a:xfrm>
-              <a:off x="5330810" y="2289509"/>
+              <a:off x="5330734" y="2290203"/>
               <a:ext cx="63518" cy="46580"/>
             </a:xfrm>
             <a:custGeom>
@@ -5053,7 +5053,7 @@
           </p:nvSpPr>
           <p:spPr>
             <a:xfrm>
-              <a:off x="2593533" y="2452317"/>
+              <a:off x="2591954" y="2454166"/>
               <a:ext cx="96971" cy="73258"/>
             </a:xfrm>
             <a:custGeom>
@@ -5144,7 +5144,7 @@
           </p:nvSpPr>
           <p:spPr>
             <a:xfrm>
-              <a:off x="2622328" y="2472643"/>
+              <a:off x="2620749" y="2474492"/>
               <a:ext cx="41498" cy="10162"/>
             </a:xfrm>
             <a:custGeom>
@@ -5187,7 +5187,7 @@
           </p:nvSpPr>
           <p:spPr>
             <a:xfrm>
-              <a:off x="2622328" y="2490005"/>
+              <a:off x="2620749" y="2491854"/>
               <a:ext cx="41498" cy="11009"/>
             </a:xfrm>
             <a:custGeom>
@@ -5230,7 +5230,7 @@
           </p:nvSpPr>
           <p:spPr>
             <a:xfrm>
-              <a:off x="2622328" y="2508214"/>
+              <a:off x="2620749" y="2510062"/>
               <a:ext cx="41498" cy="9739"/>
             </a:xfrm>
             <a:custGeom>
@@ -5273,7 +5273,7 @@
           </p:nvSpPr>
           <p:spPr>
             <a:xfrm>
-              <a:off x="2595227" y="2528540"/>
+              <a:off x="2593648" y="2530388"/>
               <a:ext cx="37264" cy="21172"/>
             </a:xfrm>
             <a:custGeom>
@@ -5370,7 +5370,7 @@
           </p:nvSpPr>
           <p:spPr>
             <a:xfrm>
-              <a:off x="2651547" y="2528540"/>
+              <a:off x="2649968" y="2530388"/>
               <a:ext cx="37687" cy="21172"/>
             </a:xfrm>
             <a:custGeom>
@@ -5467,7 +5467,7 @@
           </p:nvSpPr>
           <p:spPr>
             <a:xfrm>
-              <a:off x="2704479" y="2451047"/>
+              <a:off x="2702900" y="2452896"/>
               <a:ext cx="92313" cy="33876"/>
             </a:xfrm>
             <a:custGeom>
@@ -5588,7 +5588,7 @@
           </p:nvSpPr>
           <p:spPr>
             <a:xfrm>
-              <a:off x="2722264" y="2482806"/>
+              <a:off x="2720685" y="2484655"/>
               <a:ext cx="71987" cy="63095"/>
             </a:xfrm>
             <a:custGeom>
@@ -5997,7 +5997,7 @@
           </p:nvSpPr>
           <p:spPr>
             <a:xfrm>
-              <a:off x="2452007" y="2649330"/>
+              <a:off x="2450352" y="2652334"/>
               <a:ext cx="95277" cy="24560"/>
             </a:xfrm>
             <a:custGeom>
@@ -6088,7 +6088,7 @@
           </p:nvSpPr>
           <p:spPr>
             <a:xfrm>
-              <a:off x="2488848" y="2676855"/>
+              <a:off x="2487193" y="2679859"/>
               <a:ext cx="55896" cy="69446"/>
             </a:xfrm>
             <a:custGeom>
@@ -6377,7 +6377,7 @@
           </p:nvSpPr>
           <p:spPr>
             <a:xfrm>
-              <a:off x="2504940" y="2704380"/>
+              <a:off x="2503284" y="2707383"/>
               <a:ext cx="20325" cy="24137"/>
             </a:xfrm>
             <a:custGeom>
@@ -6474,7 +6474,7 @@
           </p:nvSpPr>
           <p:spPr>
             <a:xfrm>
-              <a:off x="2452431" y="2675584"/>
+              <a:off x="2450775" y="2678588"/>
               <a:ext cx="38534" cy="53355"/>
             </a:xfrm>
             <a:custGeom>
@@ -6790,7 +6790,7 @@
           </p:nvSpPr>
           <p:spPr>
             <a:xfrm>
-              <a:off x="2453278" y="2731057"/>
+              <a:off x="2451622" y="2734061"/>
               <a:ext cx="38534" cy="15244"/>
             </a:xfrm>
             <a:custGeom>
@@ -6887,7 +6887,7 @@
           </p:nvSpPr>
           <p:spPr>
             <a:xfrm>
-              <a:off x="2557872" y="2648907"/>
+              <a:off x="2556216" y="2651911"/>
               <a:ext cx="96124" cy="97818"/>
             </a:xfrm>
             <a:custGeom>
@@ -7092,7 +7092,7 @@
           </p:nvSpPr>
           <p:spPr>
             <a:xfrm>
-              <a:off x="2583703" y="2670080"/>
+              <a:off x="2582047" y="2673083"/>
               <a:ext cx="70293" cy="77492"/>
             </a:xfrm>
             <a:custGeom>
@@ -7171,7 +7171,7 @@
           </p:nvSpPr>
           <p:spPr>
             <a:xfrm>
-              <a:off x="2592172" y="2712849"/>
+              <a:off x="2590516" y="2715853"/>
               <a:ext cx="48697" cy="20749"/>
             </a:xfrm>
             <a:custGeom>
@@ -7214,8 +7214,8 @@
           </p:nvSpPr>
           <p:spPr>
             <a:xfrm>
-              <a:off x="2280804" y="2186361"/>
-              <a:ext cx="3259831" cy="631795"/>
+              <a:off x="2279061" y="2186361"/>
+              <a:ext cx="3261574" cy="635492"/>
             </a:xfrm>
             <a:prstGeom prst="rect">
               <a:avLst/>
@@ -7244,7 +7244,7 @@
           </p:nvSpPr>
           <p:spPr>
             <a:xfrm>
-              <a:off x="2186419" y="2660104"/>
+              <a:off x="2184675" y="2663108"/>
               <a:ext cx="55552" cy="79290"/>
             </a:xfrm>
             <a:custGeom>
@@ -7960,7 +7960,7 @@
                     <a:pt x="34813" y="14433"/>
                   </a:lnTo>
                   <a:lnTo>
-                    <a:pt x="34215" y="13969"/>
+                    <a:pt x="34215" y="13970"/>
                   </a:lnTo>
                   <a:lnTo>
                     <a:pt x="33568" y="13560"/>
@@ -8553,7 +8553,7 @@
           </p:nvSpPr>
           <p:spPr>
             <a:xfrm>
-              <a:off x="2187729" y="2462668"/>
+              <a:off x="2185985" y="2464517"/>
               <a:ext cx="53806" cy="78035"/>
             </a:xfrm>
             <a:custGeom>
@@ -9319,7 +9319,7 @@
           </p:nvSpPr>
           <p:spPr>
             <a:xfrm>
-              <a:off x="2190894" y="2266378"/>
+              <a:off x="2189150" y="2267071"/>
               <a:ext cx="52005" cy="76889"/>
             </a:xfrm>
             <a:custGeom>
@@ -9383,7 +9383,7 @@
           </p:nvSpPr>
           <p:spPr>
             <a:xfrm>
-              <a:off x="2246010" y="2699695"/>
+              <a:off x="2244266" y="2702699"/>
               <a:ext cx="34794" cy="0"/>
             </a:xfrm>
             <a:custGeom>
@@ -9423,7 +9423,7 @@
           </p:nvSpPr>
           <p:spPr>
             <a:xfrm>
-              <a:off x="2246010" y="2502259"/>
+              <a:off x="2244266" y="2504107"/>
               <a:ext cx="34794" cy="0"/>
             </a:xfrm>
             <a:custGeom>
@@ -9463,7 +9463,7 @@
           </p:nvSpPr>
           <p:spPr>
             <a:xfrm>
-              <a:off x="2246010" y="2304823"/>
+              <a:off x="2244266" y="2305516"/>
               <a:ext cx="34794" cy="0"/>
             </a:xfrm>
             <a:custGeom>
@@ -9503,7 +9503,7 @@
           </p:nvSpPr>
           <p:spPr>
             <a:xfrm>
-              <a:off x="2280804" y="2818157"/>
+              <a:off x="2279061" y="2821854"/>
               <a:ext cx="0" cy="34794"/>
             </a:xfrm>
             <a:custGeom>
@@ -9543,7 +9543,7 @@
           </p:nvSpPr>
           <p:spPr>
             <a:xfrm>
-              <a:off x="3130781" y="2818157"/>
+              <a:off x="3129492" y="2821854"/>
               <a:ext cx="0" cy="34794"/>
             </a:xfrm>
             <a:custGeom>
@@ -9583,7 +9583,7 @@
           </p:nvSpPr>
           <p:spPr>
             <a:xfrm>
-              <a:off x="3980758" y="2818157"/>
+              <a:off x="3979924" y="2821854"/>
               <a:ext cx="0" cy="34794"/>
             </a:xfrm>
             <a:custGeom>
@@ -9623,7 +9623,7 @@
           </p:nvSpPr>
           <p:spPr>
             <a:xfrm>
-              <a:off x="4830735" y="2818157"/>
+              <a:off x="4830355" y="2821854"/>
               <a:ext cx="0" cy="34794"/>
             </a:xfrm>
             <a:custGeom>
@@ -9663,7 +9663,7 @@
           </p:nvSpPr>
           <p:spPr>
             <a:xfrm>
-              <a:off x="2254092" y="2879641"/>
+              <a:off x="2252348" y="2883338"/>
               <a:ext cx="53424" cy="79126"/>
             </a:xfrm>
             <a:custGeom>
@@ -10106,7 +10106,7 @@
                     <a:pt x="48312" y="12306"/>
                   </a:lnTo>
                   <a:lnTo>
-                    <a:pt x="48894" y="13492"/>
+                    <a:pt x="48895" y="13492"/>
                   </a:lnTo>
                   <a:lnTo>
                     <a:pt x="49447" y="14740"/>
@@ -10174,7 +10174,7 @@
           </p:nvSpPr>
           <p:spPr>
             <a:xfrm>
-              <a:off x="2264024" y="2887608"/>
+              <a:off x="2262280" y="2891305"/>
               <a:ext cx="33506" cy="63137"/>
             </a:xfrm>
             <a:custGeom>
@@ -10685,7 +10685,7 @@
           </p:nvSpPr>
           <p:spPr>
             <a:xfrm>
-              <a:off x="3042022" y="2880787"/>
+              <a:off x="3040733" y="2884484"/>
               <a:ext cx="52987" cy="77980"/>
             </a:xfrm>
             <a:custGeom>
@@ -11002,7 +11002,7 @@
                     <a:pt x="14960" y="66777"/>
                   </a:lnTo>
                   <a:lnTo>
-                    <a:pt x="15366" y="67075"/>
+                    <a:pt x="15367" y="67075"/>
                   </a:lnTo>
                   <a:lnTo>
                     <a:pt x="15789" y="67362"/>
@@ -11637,7 +11637,7 @@
           </p:nvSpPr>
           <p:spPr>
             <a:xfrm>
-              <a:off x="3104069" y="2879641"/>
+              <a:off x="3102780" y="2883338"/>
               <a:ext cx="53424" cy="79126"/>
             </a:xfrm>
             <a:custGeom>
@@ -12148,7 +12148,7 @@
           </p:nvSpPr>
           <p:spPr>
             <a:xfrm>
-              <a:off x="3114001" y="2887608"/>
+              <a:off x="3112712" y="2891305"/>
               <a:ext cx="33506" cy="63137"/>
             </a:xfrm>
             <a:custGeom>
@@ -12659,7 +12659,7 @@
           </p:nvSpPr>
           <p:spPr>
             <a:xfrm>
-              <a:off x="3166224" y="2879641"/>
+              <a:off x="3164936" y="2883338"/>
               <a:ext cx="53424" cy="79126"/>
             </a:xfrm>
             <a:custGeom>
@@ -13170,7 +13170,7 @@
           </p:nvSpPr>
           <p:spPr>
             <a:xfrm>
-              <a:off x="3176156" y="2887608"/>
+              <a:off x="3174867" y="2891305"/>
               <a:ext cx="33506" cy="63137"/>
             </a:xfrm>
             <a:custGeom>
@@ -13681,7 +13681,7 @@
           </p:nvSpPr>
           <p:spPr>
             <a:xfrm>
-              <a:off x="3864960" y="2880787"/>
+              <a:off x="3864125" y="2884484"/>
               <a:ext cx="48185" cy="76889"/>
             </a:xfrm>
             <a:custGeom>
@@ -13745,7 +13745,7 @@
           </p:nvSpPr>
           <p:spPr>
             <a:xfrm>
-              <a:off x="3922968" y="2879641"/>
+              <a:off x="3922134" y="2883338"/>
               <a:ext cx="53424" cy="79126"/>
             </a:xfrm>
             <a:custGeom>
@@ -14256,7 +14256,7 @@
           </p:nvSpPr>
           <p:spPr>
             <a:xfrm>
-              <a:off x="3932900" y="2887608"/>
+              <a:off x="3932065" y="2891305"/>
               <a:ext cx="33506" cy="63137"/>
             </a:xfrm>
             <a:custGeom>
@@ -14767,7 +14767,7 @@
           </p:nvSpPr>
           <p:spPr>
             <a:xfrm>
-              <a:off x="3985124" y="2879641"/>
+              <a:off x="3984289" y="2883338"/>
               <a:ext cx="53424" cy="79126"/>
             </a:xfrm>
             <a:custGeom>
@@ -15278,7 +15278,7 @@
           </p:nvSpPr>
           <p:spPr>
             <a:xfrm>
-              <a:off x="3995055" y="2887608"/>
+              <a:off x="3994221" y="2891305"/>
               <a:ext cx="33506" cy="63137"/>
             </a:xfrm>
             <a:custGeom>
@@ -15789,7 +15789,7 @@
           </p:nvSpPr>
           <p:spPr>
             <a:xfrm>
-              <a:off x="4047279" y="2879641"/>
+              <a:off x="4046445" y="2883338"/>
               <a:ext cx="53424" cy="79126"/>
             </a:xfrm>
             <a:custGeom>
@@ -16300,7 +16300,7 @@
           </p:nvSpPr>
           <p:spPr>
             <a:xfrm>
-              <a:off x="4057211" y="2887608"/>
+              <a:off x="4056377" y="2891305"/>
               <a:ext cx="33506" cy="63137"/>
             </a:xfrm>
             <a:custGeom>
@@ -16811,7 +16811,7 @@
           </p:nvSpPr>
           <p:spPr>
             <a:xfrm>
-              <a:off x="4714937" y="2880787"/>
+              <a:off x="4714557" y="2884484"/>
               <a:ext cx="48185" cy="76889"/>
             </a:xfrm>
             <a:custGeom>
@@ -16875,7 +16875,7 @@
           </p:nvSpPr>
           <p:spPr>
             <a:xfrm>
-              <a:off x="4773054" y="2880787"/>
+              <a:off x="4772674" y="2884484"/>
               <a:ext cx="52987" cy="77980"/>
             </a:xfrm>
             <a:custGeom>
@@ -17827,7 +17827,7 @@
           </p:nvSpPr>
           <p:spPr>
             <a:xfrm>
-              <a:off x="4835100" y="2879641"/>
+              <a:off x="4834721" y="2883338"/>
               <a:ext cx="53424" cy="79126"/>
             </a:xfrm>
             <a:custGeom>
@@ -18338,7 +18338,7 @@
           </p:nvSpPr>
           <p:spPr>
             <a:xfrm>
-              <a:off x="4845032" y="2887608"/>
+              <a:off x="4844653" y="2891305"/>
               <a:ext cx="33506" cy="63137"/>
             </a:xfrm>
             <a:custGeom>
@@ -18849,7 +18849,7 @@
           </p:nvSpPr>
           <p:spPr>
             <a:xfrm>
-              <a:off x="4897256" y="2879641"/>
+              <a:off x="4896876" y="2883338"/>
               <a:ext cx="53424" cy="79126"/>
             </a:xfrm>
             <a:custGeom>
@@ -19360,7 +19360,7 @@
           </p:nvSpPr>
           <p:spPr>
             <a:xfrm>
-              <a:off x="4907188" y="2887608"/>
+              <a:off x="4906808" y="2891305"/>
               <a:ext cx="33506" cy="63137"/>
             </a:xfrm>
             <a:custGeom>
